--- a/Projet -- Real or Not_ NLP with Disaster Tweets/Real or Not_ NLP with Disaster Tweets.pptx
+++ b/Projet -- Real or Not_ NLP with Disaster Tweets/Real or Not_ NLP with Disaster Tweets.pptx
@@ -210,7 +210,7 @@
           <a:p>
             <a:fld id="{472F480F-2C57-4E9B-93AB-B350A5F064DA}" type="datetimeFigureOut">
               <a:rPr lang="fr-FR" smtClean="0"/>
-              <a:t>26/04/2020</a:t>
+              <a:t>27/04/2020</a:t>
             </a:fld>
             <a:endParaRPr lang="fr-FR"/>
           </a:p>
@@ -716,7 +716,7 @@
           <a:p>
             <a:fld id="{ED291B17-9318-49DB-B28B-6E5994AE9581}" type="datetime1">
               <a:rPr lang="en-US" smtClean="0"/>
-              <a:t>4/26/2020</a:t>
+              <a:t>4/27/2020</a:t>
             </a:fld>
             <a:endParaRPr lang="en-US" dirty="0"/>
           </a:p>
@@ -919,7 +919,7 @@
           <a:p>
             <a:fld id="{2CED4963-E985-44C4-B8C4-FDD613B7C2F8}" type="datetime1">
               <a:rPr lang="en-US" smtClean="0"/>
-              <a:t>4/26/2020</a:t>
+              <a:t>4/27/2020</a:t>
             </a:fld>
             <a:endParaRPr lang="en-US" dirty="0"/>
           </a:p>
@@ -1281,7 +1281,7 @@
           <a:p>
             <a:fld id="{ED291B17-9318-49DB-B28B-6E5994AE9581}" type="datetime1">
               <a:rPr lang="en-US" smtClean="0"/>
-              <a:t>4/26/2020</a:t>
+              <a:t>4/27/2020</a:t>
             </a:fld>
             <a:endParaRPr lang="en-US" dirty="0"/>
           </a:p>
@@ -1479,7 +1479,7 @@
           <a:p>
             <a:fld id="{78DD82B9-B8EE-4375-B6FF-88FA6ABB15D9}" type="datetime1">
               <a:rPr lang="en-US" smtClean="0"/>
-              <a:t>4/26/2020</a:t>
+              <a:t>4/27/2020</a:t>
             </a:fld>
             <a:endParaRPr lang="en-US" dirty="0"/>
           </a:p>
@@ -1791,7 +1791,7 @@
           <a:p>
             <a:fld id="{B2497495-0637-405E-AE64-5CC7506D51F5}" type="datetime1">
               <a:rPr lang="en-US" smtClean="0"/>
-              <a:t>4/26/2020</a:t>
+              <a:t>4/27/2020</a:t>
             </a:fld>
             <a:endParaRPr lang="en-US" dirty="0"/>
           </a:p>
@@ -2044,7 +2044,7 @@
           <a:p>
             <a:fld id="{7BFFD690-9426-415D-8B65-26881E07B2D4}" type="datetime1">
               <a:rPr lang="en-US" smtClean="0"/>
-              <a:t>4/26/2020</a:t>
+              <a:t>4/27/2020</a:t>
             </a:fld>
             <a:endParaRPr lang="en-US" dirty="0"/>
           </a:p>
@@ -2466,7 +2466,7 @@
           <a:p>
             <a:fld id="{04C4989A-474C-40DE-95B9-011C28B71673}" type="datetime1">
               <a:rPr lang="en-US" smtClean="0"/>
-              <a:t>4/26/2020</a:t>
+              <a:t>4/27/2020</a:t>
             </a:fld>
             <a:endParaRPr lang="en-US" dirty="0"/>
           </a:p>
@@ -2589,7 +2589,7 @@
           <a:p>
             <a:fld id="{5DB4ED54-5B5E-4A04-93D3-5772E3CE3818}" type="datetime1">
               <a:rPr lang="en-US" smtClean="0"/>
-              <a:t>4/26/2020</a:t>
+              <a:t>4/27/2020</a:t>
             </a:fld>
             <a:endParaRPr lang="en-US" dirty="0"/>
           </a:p>
@@ -2684,7 +2684,7 @@
           <a:p>
             <a:fld id="{4EDE50D6-574B-40AF-946F-D52A04ADE379}" type="datetime1">
               <a:rPr lang="en-US" smtClean="0"/>
-              <a:t>4/26/2020</a:t>
+              <a:t>4/27/2020</a:t>
             </a:fld>
             <a:endParaRPr lang="en-US" dirty="0"/>
           </a:p>
@@ -3061,7 +3061,7 @@
           <a:p>
             <a:fld id="{D82884F1-FFEA-405F-9602-3DCA865EDA4E}" type="datetime1">
               <a:rPr lang="en-US" smtClean="0"/>
-              <a:t>4/26/2020</a:t>
+              <a:t>4/27/2020</a:t>
             </a:fld>
             <a:endParaRPr lang="en-US" dirty="0"/>
           </a:p>
@@ -3354,7 +3354,7 @@
           <a:p>
             <a:fld id="{7E18DB4A-8810-4A10-AD5C-D5E2C667F5B3}" type="datetime1">
               <a:rPr lang="en-US" smtClean="0"/>
-              <a:t>4/26/2020</a:t>
+              <a:t>4/27/2020</a:t>
             </a:fld>
             <a:endParaRPr lang="en-US" dirty="0"/>
           </a:p>
@@ -3569,7 +3569,7 @@
           <a:p>
             <a:fld id="{ED291B17-9318-49DB-B28B-6E5994AE9581}" type="datetime1">
               <a:rPr lang="en-US" smtClean="0"/>
-              <a:t>4/26/2020</a:t>
+              <a:t>4/27/2020</a:t>
             </a:fld>
             <a:endParaRPr lang="en-US" dirty="0"/>
           </a:p>
@@ -4978,56 +4978,6 @@
           </a:p>
         </p:txBody>
       </p:sp>
-      <p:sp>
-        <p:nvSpPr>
-          <p:cNvPr id="7" name="Content Placeholder 6">
-            <a:extLst>
-              <a:ext uri="{FF2B5EF4-FFF2-40B4-BE49-F238E27FC236}">
-                <a16:creationId xmlns:a16="http://schemas.microsoft.com/office/drawing/2014/main" id="{51A3DFD2-86B8-43A4-8136-3D4AB0C277F3}"/>
-              </a:ext>
-            </a:extLst>
-          </p:cNvPr>
-          <p:cNvSpPr>
-            <a:spLocks noGrp="1"/>
-          </p:cNvSpPr>
-          <p:nvPr>
-            <p:ph sz="half" idx="1"/>
-          </p:nvPr>
-        </p:nvSpPr>
-        <p:spPr/>
-        <p:txBody>
-          <a:bodyPr/>
-          <a:lstStyle/>
-          <a:p>
-            <a:endParaRPr lang="en-US"/>
-          </a:p>
-        </p:txBody>
-      </p:sp>
-      <p:sp>
-        <p:nvSpPr>
-          <p:cNvPr id="8" name="Content Placeholder 7">
-            <a:extLst>
-              <a:ext uri="{FF2B5EF4-FFF2-40B4-BE49-F238E27FC236}">
-                <a16:creationId xmlns:a16="http://schemas.microsoft.com/office/drawing/2014/main" id="{239925E8-9344-4195-A03A-4EAADD5715E3}"/>
-              </a:ext>
-            </a:extLst>
-          </p:cNvPr>
-          <p:cNvSpPr>
-            <a:spLocks noGrp="1"/>
-          </p:cNvSpPr>
-          <p:nvPr>
-            <p:ph sz="half" idx="2"/>
-          </p:nvPr>
-        </p:nvSpPr>
-        <p:spPr/>
-        <p:txBody>
-          <a:bodyPr/>
-          <a:lstStyle/>
-          <a:p>
-            <a:endParaRPr lang="en-US"/>
-          </a:p>
-        </p:txBody>
-      </p:sp>
       <p:pic>
         <p:nvPicPr>
           <p:cNvPr id="5" name="Picture 4">
@@ -5118,31 +5068,6 @@
       </p:sp>
       <p:sp>
         <p:nvSpPr>
-          <p:cNvPr id="7" name="Content Placeholder 6">
-            <a:extLst>
-              <a:ext uri="{FF2B5EF4-FFF2-40B4-BE49-F238E27FC236}">
-                <a16:creationId xmlns:a16="http://schemas.microsoft.com/office/drawing/2014/main" id="{6D702CEF-4F55-4291-9A45-C5E4A4274308}"/>
-              </a:ext>
-            </a:extLst>
-          </p:cNvPr>
-          <p:cNvSpPr>
-            <a:spLocks noGrp="1"/>
-          </p:cNvSpPr>
-          <p:nvPr>
-            <p:ph idx="1"/>
-          </p:nvPr>
-        </p:nvSpPr>
-        <p:spPr/>
-        <p:txBody>
-          <a:bodyPr/>
-          <a:lstStyle/>
-          <a:p>
-            <a:endParaRPr lang="en-US"/>
-          </a:p>
-        </p:txBody>
-      </p:sp>
-      <p:sp>
-        <p:nvSpPr>
           <p:cNvPr id="8" name="Text Placeholder 7">
             <a:extLst>
               <a:ext uri="{FF2B5EF4-FFF2-40B4-BE49-F238E27FC236}">
@@ -5252,33 +5177,13 @@
           <a:p>
             <a:r>
               <a:rPr lang="en-US" cap="none" dirty="0"/>
-              <a:t>The most important words in tweeters datasets.</a:t>
-            </a:r>
-          </a:p>
-        </p:txBody>
-      </p:sp>
-      <p:sp>
-        <p:nvSpPr>
-          <p:cNvPr id="4" name="Text Placeholder 3">
-            <a:extLst>
-              <a:ext uri="{FF2B5EF4-FFF2-40B4-BE49-F238E27FC236}">
-                <a16:creationId xmlns:a16="http://schemas.microsoft.com/office/drawing/2014/main" id="{FA235FC9-5F8D-4D70-8DDF-0C2B3C09C3FC}"/>
-              </a:ext>
-            </a:extLst>
-          </p:cNvPr>
-          <p:cNvSpPr>
-            <a:spLocks noGrp="1"/>
-          </p:cNvSpPr>
-          <p:nvPr>
-            <p:ph type="body" sz="half" idx="2"/>
-          </p:nvPr>
-        </p:nvSpPr>
-        <p:spPr/>
-        <p:txBody>
-          <a:bodyPr/>
-          <a:lstStyle/>
-          <a:p>
-            <a:endParaRPr lang="en-US"/>
+              <a:t>The most important words in tweeters datasets </a:t>
+            </a:r>
+            <a:r>
+              <a:rPr lang="en-US" cap="none"/>
+              <a:t>and preprocessing.</a:t>
+            </a:r>
+            <a:endParaRPr lang="en-US" cap="none" dirty="0"/>
           </a:p>
         </p:txBody>
       </p:sp>
@@ -5304,8 +5209,38 @@
         </p:blipFill>
         <p:spPr>
           <a:xfrm>
-            <a:off x="5260912" y="1794659"/>
-            <a:ext cx="5593671" cy="2913370"/>
+            <a:off x="5509489" y="3822300"/>
+            <a:ext cx="5143716" cy="2679018"/>
+          </a:xfrm>
+          <a:prstGeom prst="rect">
+            <a:avLst/>
+          </a:prstGeom>
+        </p:spPr>
+      </p:pic>
+      <p:pic>
+        <p:nvPicPr>
+          <p:cNvPr id="3" name="Picture 2">
+            <a:extLst>
+              <a:ext uri="{FF2B5EF4-FFF2-40B4-BE49-F238E27FC236}">
+                <a16:creationId xmlns:a16="http://schemas.microsoft.com/office/drawing/2014/main" id="{FDD1F8BF-12EC-4194-9B8B-A3B5C7E4E962}"/>
+              </a:ext>
+            </a:extLst>
+          </p:cNvPr>
+          <p:cNvPicPr>
+            <a:picLocks noChangeAspect="1"/>
+          </p:cNvPicPr>
+          <p:nvPr/>
+        </p:nvPicPr>
+        <p:blipFill>
+          <a:blip r:embed="rId3"/>
+          <a:stretch>
+            <a:fillRect/>
+          </a:stretch>
+        </p:blipFill>
+        <p:spPr>
+          <a:xfrm>
+            <a:off x="4263778" y="789419"/>
+            <a:ext cx="7677150" cy="2828925"/>
           </a:xfrm>
           <a:prstGeom prst="rect">
             <a:avLst/>
@@ -6219,6 +6154,24 @@
 </file>
 
 <file path=customXml/item1.xml><?xml version="1.0" encoding="utf-8"?>
+<p:properties xmlns:p="http://schemas.microsoft.com/office/2006/metadata/properties" xmlns:xsi="http://www.w3.org/2001/XMLSchema-instance" xmlns:pc="http://schemas.microsoft.com/office/infopath/2007/PartnerControls">
+  <documentManagement>
+    <Status xmlns="71af3243-3dd4-4a8d-8c0d-dd76da1f02a5">Not started</Status>
+    <MediaServiceKeyPoints xmlns="71af3243-3dd4-4a8d-8c0d-dd76da1f02a5" xsi:nil="true"/>
+  </documentManagement>
+</p:properties>
+</file>
+
+<file path=customXml/item2.xml><?xml version="1.0" encoding="utf-8"?>
+<?mso-contentType ?>
+<FormTemplates xmlns="http://schemas.microsoft.com/sharepoint/v3/contenttype/forms">
+  <Display>DocumentLibraryForm</Display>
+  <Edit>DocumentLibraryForm</Edit>
+  <New>DocumentLibraryForm</New>
+</FormTemplates>
+</file>
+
+<file path=customXml/item3.xml><?xml version="1.0" encoding="utf-8"?>
 <ct:contentTypeSchema xmlns:ct="http://schemas.microsoft.com/office/2006/metadata/contentType" xmlns:ma="http://schemas.microsoft.com/office/2006/metadata/properties/metaAttributes" ct:_="" ma:_="" ma:contentTypeName="Document" ma:contentTypeID="0x01010079F111ED35F8CC479449609E8A0923A6" ma:contentTypeVersion="12" ma:contentTypeDescription="Create a new document." ma:contentTypeScope="" ma:versionID="a410dd7f93c95333ffa1b60ed6adedd1">
   <xsd:schema xmlns:xsd="http://www.w3.org/2001/XMLSchema" xmlns:xs="http://www.w3.org/2001/XMLSchema" xmlns:p="http://schemas.microsoft.com/office/2006/metadata/properties" xmlns:ns2="71af3243-3dd4-4a8d-8c0d-dd76da1f02a5" xmlns:ns3="16c05727-aa75-4e4a-9b5f-8a80a1165891" targetNamespace="http://schemas.microsoft.com/office/2006/metadata/properties" ma:root="true" ma:fieldsID="a936d9baba76aa3866493feff160faab" ns2:_="" ns3:_="">
     <xsd:import namespace="71af3243-3dd4-4a8d-8c0d-dd76da1f02a5"/>
@@ -6439,25 +6392,25 @@
 </ct:contentTypeSchema>
 </file>
 
-<file path=customXml/item2.xml><?xml version="1.0" encoding="utf-8"?>
-<?mso-contentType ?>
-<FormTemplates xmlns="http://schemas.microsoft.com/sharepoint/v3/contenttype/forms">
-  <Display>DocumentLibraryForm</Display>
-  <Edit>DocumentLibraryForm</Edit>
-  <New>DocumentLibraryForm</New>
-</FormTemplates>
+<file path=customXml/itemProps1.xml><?xml version="1.0" encoding="utf-8"?>
+<ds:datastoreItem xmlns:ds="http://schemas.openxmlformats.org/officeDocument/2006/customXml" ds:itemID="{8D289AE2-D2AE-49D1-AFAC-3A79F6794255}">
+  <ds:schemaRefs>
+    <ds:schemaRef ds:uri="http://schemas.microsoft.com/office/2006/metadata/properties"/>
+    <ds:schemaRef ds:uri="http://schemas.microsoft.com/office/infopath/2007/PartnerControls"/>
+    <ds:schemaRef ds:uri="71af3243-3dd4-4a8d-8c0d-dd76da1f02a5"/>
+  </ds:schemaRefs>
+</ds:datastoreItem>
 </file>
 
-<file path=customXml/item3.xml><?xml version="1.0" encoding="utf-8"?>
-<p:properties xmlns:p="http://schemas.microsoft.com/office/2006/metadata/properties" xmlns:xsi="http://www.w3.org/2001/XMLSchema-instance" xmlns:pc="http://schemas.microsoft.com/office/infopath/2007/PartnerControls">
-  <documentManagement>
-    <Status xmlns="71af3243-3dd4-4a8d-8c0d-dd76da1f02a5">Not started</Status>
-    <MediaServiceKeyPoints xmlns="71af3243-3dd4-4a8d-8c0d-dd76da1f02a5" xsi:nil="true"/>
-  </documentManagement>
-</p:properties>
+<file path=customXml/itemProps2.xml><?xml version="1.0" encoding="utf-8"?>
+<ds:datastoreItem xmlns:ds="http://schemas.openxmlformats.org/officeDocument/2006/customXml" ds:itemID="{927BD4C1-B6B1-4715-ABF9-E660A51A4EA0}">
+  <ds:schemaRefs>
+    <ds:schemaRef ds:uri="http://schemas.microsoft.com/sharepoint/v3/contenttype/forms"/>
+  </ds:schemaRefs>
+</ds:datastoreItem>
 </file>
 
-<file path=customXml/itemProps1.xml><?xml version="1.0" encoding="utf-8"?>
+<file path=customXml/itemProps3.xml><?xml version="1.0" encoding="utf-8"?>
 <ds:datastoreItem xmlns:ds="http://schemas.openxmlformats.org/officeDocument/2006/customXml" ds:itemID="{41E7CA09-9778-4414-AE97-8064B12DA30E}">
   <ds:schemaRefs>
     <ds:schemaRef ds:uri="http://schemas.microsoft.com/office/2006/metadata/contentType"/>
@@ -6474,22 +6427,4 @@
     <ds:schemaRef ds:uri="http://schemas.microsoft.com/internal/obd"/>
   </ds:schemaRefs>
 </ds:datastoreItem>
-</file>
-
-<file path=customXml/itemProps2.xml><?xml version="1.0" encoding="utf-8"?>
-<ds:datastoreItem xmlns:ds="http://schemas.openxmlformats.org/officeDocument/2006/customXml" ds:itemID="{927BD4C1-B6B1-4715-ABF9-E660A51A4EA0}">
-  <ds:schemaRefs>
-    <ds:schemaRef ds:uri="http://schemas.microsoft.com/sharepoint/v3/contenttype/forms"/>
-  </ds:schemaRefs>
-</ds:datastoreItem>
-</file>
-
-<file path=customXml/itemProps3.xml><?xml version="1.0" encoding="utf-8"?>
-<ds:datastoreItem xmlns:ds="http://schemas.openxmlformats.org/officeDocument/2006/customXml" ds:itemID="{8D289AE2-D2AE-49D1-AFAC-3A79F6794255}">
-  <ds:schemaRefs>
-    <ds:schemaRef ds:uri="http://schemas.microsoft.com/office/2006/metadata/properties"/>
-    <ds:schemaRef ds:uri="http://schemas.microsoft.com/office/infopath/2007/PartnerControls"/>
-    <ds:schemaRef ds:uri="71af3243-3dd4-4a8d-8c0d-dd76da1f02a5"/>
-  </ds:schemaRefs>
-</ds:datastoreItem>
 </file>